--- a/(青年聖歌I128)事奉耶穌蒙福.pptx
+++ b/(青年聖歌I128)事奉耶穌蒙福.pptx
@@ -3180,14 +3180,23 @@
                 <a:latin typeface="Microsoft JhengHei" panose="020B0604030504040204" pitchFamily="34" charset="-120"/>
                 <a:ea typeface="Microsoft JhengHei" panose="020B0604030504040204" pitchFamily="34" charset="-120"/>
               </a:rPr>
-              <a:t>事奉耶穌得真快樂心</a:t>
-            </a:r>
+              <a:t>事奉耶穌得真快樂心滿足</a:t>
+            </a:r>
+            <a:endParaRPr lang="en-US" altLang="zh-TW" sz="5400" b="1" dirty="0">
+              <a:latin typeface="Microsoft JhengHei" panose="020B0604030504040204" pitchFamily="34" charset="-120"/>
+              <a:ea typeface="Microsoft JhengHei" panose="020B0604030504040204" pitchFamily="34" charset="-120"/>
+            </a:endParaRPr>
+          </a:p>
+          <a:p>
+            <a:pPr algn="ctr">
+              <a:buNone/>
+            </a:pPr>
             <a:r>
               <a:rPr lang="zh-TW" altLang="en-US" sz="5400" b="1" dirty="0">
                 <a:latin typeface="Microsoft JhengHei" panose="020B0604030504040204" pitchFamily="34" charset="-120"/>
                 <a:ea typeface="Microsoft JhengHei" panose="020B0604030504040204" pitchFamily="34" charset="-120"/>
               </a:rPr>
-              <a:t>滿足</a:t>
+              <a:t>主裡的喜樂純一不庸俗</a:t>
             </a:r>
             <a:endParaRPr lang="en-US" altLang="zh-TW" sz="5400" b="1" dirty="0">
               <a:latin typeface="Microsoft JhengHei" panose="020B0604030504040204" pitchFamily="34" charset="-120"/>
@@ -3203,75 +3212,54 @@
                 <a:latin typeface="Microsoft JhengHei" panose="020B0604030504040204" pitchFamily="34" charset="-120"/>
                 <a:ea typeface="Microsoft JhengHei" panose="020B0604030504040204" pitchFamily="34" charset="-120"/>
               </a:rPr>
-              <a:t>主</a:t>
-            </a:r>
+              <a:t>倚靠相信主應許就是天堂</a:t>
+            </a:r>
+            <a:endParaRPr lang="en-US" altLang="zh-TW" sz="5400" b="1" dirty="0">
+              <a:latin typeface="Microsoft JhengHei" panose="020B0604030504040204" pitchFamily="34" charset="-120"/>
+              <a:ea typeface="Microsoft JhengHei" panose="020B0604030504040204" pitchFamily="34" charset="-120"/>
+            </a:endParaRPr>
+          </a:p>
+          <a:p>
+            <a:pPr algn="ctr">
+              <a:buNone/>
+            </a:pPr>
             <a:r>
               <a:rPr lang="zh-TW" altLang="en-US" sz="5400" b="1" dirty="0">
                 <a:latin typeface="Microsoft JhengHei" panose="020B0604030504040204" pitchFamily="34" charset="-120"/>
                 <a:ea typeface="Microsoft JhengHei" panose="020B0604030504040204" pitchFamily="34" charset="-120"/>
               </a:rPr>
-              <a:t>裡的喜樂純一不</a:t>
-            </a:r>
-            <a:r>
-              <a:rPr lang="zh-TW" altLang="en-US" sz="5400" b="1" dirty="0">
-                <a:latin typeface="Microsoft JhengHei" panose="020B0604030504040204" pitchFamily="34" charset="-120"/>
-                <a:ea typeface="Microsoft JhengHei" panose="020B0604030504040204" pitchFamily="34" charset="-120"/>
-              </a:rPr>
-              <a:t>庸俗</a:t>
-            </a:r>
-            <a:endParaRPr lang="en-US" altLang="zh-TW" sz="5400" b="1" dirty="0">
-              <a:latin typeface="Microsoft JhengHei" panose="020B0604030504040204" pitchFamily="34" charset="-120"/>
-              <a:ea typeface="Microsoft JhengHei" panose="020B0604030504040204" pitchFamily="34" charset="-120"/>
-            </a:endParaRPr>
-          </a:p>
-          <a:p>
-            <a:pPr algn="ctr">
-              <a:buNone/>
-            </a:pPr>
-            <a:r>
-              <a:rPr lang="zh-TW" altLang="en-US" sz="5400" b="1" dirty="0">
-                <a:latin typeface="Microsoft JhengHei" panose="020B0604030504040204" pitchFamily="34" charset="-120"/>
-                <a:ea typeface="Microsoft JhengHei" panose="020B0604030504040204" pitchFamily="34" charset="-120"/>
-              </a:rPr>
-              <a:t>倚靠</a:t>
-            </a:r>
-            <a:r>
-              <a:rPr lang="zh-TW" altLang="en-US" sz="5400" b="1" dirty="0">
-                <a:latin typeface="Microsoft JhengHei" panose="020B0604030504040204" pitchFamily="34" charset="-120"/>
-                <a:ea typeface="Microsoft JhengHei" panose="020B0604030504040204" pitchFamily="34" charset="-120"/>
-              </a:rPr>
-              <a:t>相信主應許就是</a:t>
-            </a:r>
-            <a:r>
-              <a:rPr lang="zh-TW" altLang="en-US" sz="5400" b="1" dirty="0">
-                <a:latin typeface="Microsoft JhengHei" panose="020B0604030504040204" pitchFamily="34" charset="-120"/>
-                <a:ea typeface="Microsoft JhengHei" panose="020B0604030504040204" pitchFamily="34" charset="-120"/>
-              </a:rPr>
-              <a:t>天堂</a:t>
-            </a:r>
-            <a:endParaRPr lang="en-US" altLang="zh-TW" sz="5400" b="1" dirty="0">
-              <a:latin typeface="Microsoft JhengHei" panose="020B0604030504040204" pitchFamily="34" charset="-120"/>
-              <a:ea typeface="Microsoft JhengHei" panose="020B0604030504040204" pitchFamily="34" charset="-120"/>
-            </a:endParaRPr>
-          </a:p>
-          <a:p>
-            <a:pPr algn="ctr">
-              <a:buNone/>
-            </a:pPr>
-            <a:r>
-              <a:rPr lang="zh-TW" altLang="en-US" sz="5400" b="1" dirty="0">
-                <a:latin typeface="Microsoft JhengHei" panose="020B0604030504040204" pitchFamily="34" charset="-120"/>
-                <a:ea typeface="Microsoft JhengHei" panose="020B0604030504040204" pitchFamily="34" charset="-120"/>
-              </a:rPr>
-              <a:t>天天</a:t>
-            </a:r>
-            <a:r>
-              <a:rPr lang="zh-TW" altLang="en-US" sz="5400" b="1" dirty="0">
-                <a:latin typeface="Microsoft JhengHei" panose="020B0604030504040204" pitchFamily="34" charset="-120"/>
-                <a:ea typeface="Microsoft JhengHei" panose="020B0604030504040204" pitchFamily="34" charset="-120"/>
-              </a:rPr>
-              <a:t>事奉主必蒙福</a:t>
-            </a:r>
+              <a:t>天天事奉主必蒙福</a:t>
+            </a:r>
+          </a:p>
+        </p:txBody>
+      </p:sp>
+      <p:sp>
+        <p:nvSpPr>
+          <p:cNvPr id="2" name="TextBox 1"/>
+          <p:cNvSpPr txBox="1"/>
+          <p:nvPr/>
+        </p:nvSpPr>
+        <p:spPr>
+          <a:xfrm>
+            <a:off x="609600" y="1600200"/>
+            <a:ext cx="864096" cy="1015663"/>
+          </a:xfrm>
+          <a:prstGeom prst="rect">
+            <a:avLst/>
+          </a:prstGeom>
+          <a:noFill/>
+        </p:spPr>
+        <p:txBody>
+          <a:bodyPr wrap="square" rtlCol="0">
+            <a:spAutoFit/>
+          </a:bodyPr>
+          <a:lstStyle/>
+          <a:p>
+            <a:r>
+              <a:rPr lang="en-US" sz="6000" b="1" dirty="0" smtClean="0"/>
+              <a:t>1.</a:t>
+            </a:r>
+            <a:endParaRPr lang="vi-VN" sz="6000" b="1" dirty="0"/>
           </a:p>
         </p:txBody>
       </p:sp>
@@ -3357,111 +3345,55 @@
                 <a:latin typeface="Microsoft JhengHei" panose="020B0604030504040204" pitchFamily="34" charset="-120"/>
                 <a:ea typeface="Microsoft JhengHei" panose="020B0604030504040204" pitchFamily="34" charset="-120"/>
               </a:rPr>
-              <a:t>事奉耶穌蒙</a:t>
-            </a:r>
+              <a:t>事奉耶穌蒙福每日都蒙福</a:t>
+            </a:r>
+            <a:endParaRPr lang="en-US" altLang="zh-TW" sz="5400" b="1" dirty="0">
+              <a:latin typeface="Microsoft JhengHei" panose="020B0604030504040204" pitchFamily="34" charset="-120"/>
+              <a:ea typeface="Microsoft JhengHei" panose="020B0604030504040204" pitchFamily="34" charset="-120"/>
+            </a:endParaRPr>
+          </a:p>
+          <a:p>
+            <a:pPr algn="ctr">
+              <a:buNone/>
+            </a:pPr>
             <a:r>
               <a:rPr lang="zh-TW" altLang="en-US" sz="5400" b="1" dirty="0">
                 <a:latin typeface="Microsoft JhengHei" panose="020B0604030504040204" pitchFamily="34" charset="-120"/>
                 <a:ea typeface="Microsoft JhengHei" panose="020B0604030504040204" pitchFamily="34" charset="-120"/>
               </a:rPr>
-              <a:t>福每日</a:t>
-            </a:r>
+              <a:t>在世每一步都蒙福</a:t>
+            </a:r>
+            <a:endParaRPr lang="en-US" altLang="zh-TW" sz="5400" b="1" dirty="0">
+              <a:latin typeface="Microsoft JhengHei" panose="020B0604030504040204" pitchFamily="34" charset="-120"/>
+              <a:ea typeface="Microsoft JhengHei" panose="020B0604030504040204" pitchFamily="34" charset="-120"/>
+            </a:endParaRPr>
+          </a:p>
+          <a:p>
+            <a:pPr algn="ctr">
+              <a:buNone/>
+            </a:pPr>
             <a:r>
               <a:rPr lang="zh-TW" altLang="en-US" sz="5400" b="1" dirty="0">
                 <a:latin typeface="Microsoft JhengHei" panose="020B0604030504040204" pitchFamily="34" charset="-120"/>
                 <a:ea typeface="Microsoft JhengHei" panose="020B0604030504040204" pitchFamily="34" charset="-120"/>
               </a:rPr>
-              <a:t>都蒙</a:t>
-            </a:r>
+              <a:t>有時走天堂窄路或會有淒楚</a:t>
+            </a:r>
+            <a:endParaRPr lang="en-US" altLang="zh-TW" sz="5400" b="1" dirty="0">
+              <a:latin typeface="Microsoft JhengHei" panose="020B0604030504040204" pitchFamily="34" charset="-120"/>
+              <a:ea typeface="Microsoft JhengHei" panose="020B0604030504040204" pitchFamily="34" charset="-120"/>
+            </a:endParaRPr>
+          </a:p>
+          <a:p>
+            <a:pPr algn="ctr">
+              <a:buNone/>
+            </a:pPr>
             <a:r>
               <a:rPr lang="zh-TW" altLang="en-US" sz="5400" b="1" dirty="0">
                 <a:latin typeface="Microsoft JhengHei" panose="020B0604030504040204" pitchFamily="34" charset="-120"/>
                 <a:ea typeface="Microsoft JhengHei" panose="020B0604030504040204" pitchFamily="34" charset="-120"/>
               </a:rPr>
-              <a:t>福</a:t>
-            </a:r>
-            <a:endParaRPr lang="en-US" altLang="zh-TW" sz="5400" b="1" dirty="0">
-              <a:latin typeface="Microsoft JhengHei" panose="020B0604030504040204" pitchFamily="34" charset="-120"/>
-              <a:ea typeface="Microsoft JhengHei" panose="020B0604030504040204" pitchFamily="34" charset="-120"/>
-            </a:endParaRPr>
-          </a:p>
-          <a:p>
-            <a:pPr algn="ctr">
-              <a:buNone/>
-            </a:pPr>
-            <a:r>
-              <a:rPr lang="zh-TW" altLang="en-US" sz="5400" b="1" dirty="0">
-                <a:latin typeface="Microsoft JhengHei" panose="020B0604030504040204" pitchFamily="34" charset="-120"/>
-                <a:ea typeface="Microsoft JhengHei" panose="020B0604030504040204" pitchFamily="34" charset="-120"/>
-              </a:rPr>
-              <a:t>在世</a:t>
-            </a:r>
-            <a:r>
-              <a:rPr lang="zh-TW" altLang="en-US" sz="5400" b="1" dirty="0">
-                <a:latin typeface="Microsoft JhengHei" panose="020B0604030504040204" pitchFamily="34" charset="-120"/>
-                <a:ea typeface="Microsoft JhengHei" panose="020B0604030504040204" pitchFamily="34" charset="-120"/>
-              </a:rPr>
-              <a:t>每一步都蒙</a:t>
-            </a:r>
-            <a:r>
-              <a:rPr lang="zh-TW" altLang="en-US" sz="5400" b="1" dirty="0">
-                <a:latin typeface="Microsoft JhengHei" panose="020B0604030504040204" pitchFamily="34" charset="-120"/>
-                <a:ea typeface="Microsoft JhengHei" panose="020B0604030504040204" pitchFamily="34" charset="-120"/>
-              </a:rPr>
-              <a:t>福</a:t>
-            </a:r>
-            <a:endParaRPr lang="en-US" altLang="zh-TW" sz="5400" b="1" dirty="0">
-              <a:latin typeface="Microsoft JhengHei" panose="020B0604030504040204" pitchFamily="34" charset="-120"/>
-              <a:ea typeface="Microsoft JhengHei" panose="020B0604030504040204" pitchFamily="34" charset="-120"/>
-            </a:endParaRPr>
-          </a:p>
-          <a:p>
-            <a:pPr algn="ctr">
-              <a:buNone/>
-            </a:pPr>
-            <a:r>
-              <a:rPr lang="zh-TW" altLang="en-US" sz="5400" b="1" dirty="0">
-                <a:latin typeface="Microsoft JhengHei" panose="020B0604030504040204" pitchFamily="34" charset="-120"/>
-                <a:ea typeface="Microsoft JhengHei" panose="020B0604030504040204" pitchFamily="34" charset="-120"/>
-              </a:rPr>
-              <a:t>有時</a:t>
-            </a:r>
-            <a:r>
-              <a:rPr lang="zh-TW" altLang="en-US" sz="5400" b="1" dirty="0">
-                <a:latin typeface="Microsoft JhengHei" panose="020B0604030504040204" pitchFamily="34" charset="-120"/>
-                <a:ea typeface="Microsoft JhengHei" panose="020B0604030504040204" pitchFamily="34" charset="-120"/>
-              </a:rPr>
-              <a:t>走天堂窄路或會有淒</a:t>
-            </a:r>
-            <a:r>
-              <a:rPr lang="zh-TW" altLang="en-US" sz="5400" b="1" dirty="0">
-                <a:latin typeface="Microsoft JhengHei" panose="020B0604030504040204" pitchFamily="34" charset="-120"/>
-                <a:ea typeface="Microsoft JhengHei" panose="020B0604030504040204" pitchFamily="34" charset="-120"/>
-              </a:rPr>
-              <a:t>楚</a:t>
-            </a:r>
-            <a:endParaRPr lang="en-US" altLang="zh-TW" sz="5400" b="1" dirty="0">
-              <a:latin typeface="Microsoft JhengHei" panose="020B0604030504040204" pitchFamily="34" charset="-120"/>
-              <a:ea typeface="Microsoft JhengHei" panose="020B0604030504040204" pitchFamily="34" charset="-120"/>
-            </a:endParaRPr>
-          </a:p>
-          <a:p>
-            <a:pPr algn="ctr">
-              <a:buNone/>
-            </a:pPr>
-            <a:r>
-              <a:rPr lang="zh-TW" altLang="en-US" sz="5400" b="1" dirty="0">
-                <a:latin typeface="Microsoft JhengHei" panose="020B0604030504040204" pitchFamily="34" charset="-120"/>
-                <a:ea typeface="Microsoft JhengHei" panose="020B0604030504040204" pitchFamily="34" charset="-120"/>
-              </a:rPr>
-              <a:t>你</a:t>
-            </a:r>
-            <a:r>
-              <a:rPr lang="zh-TW" altLang="en-US" sz="5400" b="1" dirty="0">
-                <a:latin typeface="Microsoft JhengHei" panose="020B0604030504040204" pitchFamily="34" charset="-120"/>
-                <a:ea typeface="Microsoft JhengHei" panose="020B0604030504040204" pitchFamily="34" charset="-120"/>
-              </a:rPr>
-              <a:t>在主裡一路必蒙福</a:t>
+              <a:t>你在主裡一路必蒙福</a:t>
             </a:r>
           </a:p>
         </p:txBody>
@@ -3548,14 +3480,23 @@
                 <a:latin typeface="Microsoft JhengHei" panose="020B0604030504040204" pitchFamily="34" charset="-120"/>
                 <a:ea typeface="Microsoft JhengHei" panose="020B0604030504040204" pitchFamily="34" charset="-120"/>
               </a:rPr>
-              <a:t>無論遇何事服事主總蒙</a:t>
-            </a:r>
+              <a:t>無論遇何事服事主總蒙福</a:t>
+            </a:r>
+            <a:endParaRPr lang="en-US" altLang="zh-TW" sz="5400" b="1" dirty="0">
+              <a:latin typeface="Microsoft JhengHei" panose="020B0604030504040204" pitchFamily="34" charset="-120"/>
+              <a:ea typeface="Microsoft JhengHei" panose="020B0604030504040204" pitchFamily="34" charset="-120"/>
+            </a:endParaRPr>
+          </a:p>
+          <a:p>
+            <a:pPr algn="ctr">
+              <a:buNone/>
+            </a:pPr>
             <a:r>
               <a:rPr lang="zh-TW" altLang="en-US" sz="5400" b="1" dirty="0">
                 <a:latin typeface="Microsoft JhengHei" panose="020B0604030504040204" pitchFamily="34" charset="-120"/>
                 <a:ea typeface="Microsoft JhengHei" panose="020B0604030504040204" pitchFamily="34" charset="-120"/>
               </a:rPr>
-              <a:t>福</a:t>
+              <a:t>無論作何事忠心便蒙福</a:t>
             </a:r>
             <a:endParaRPr lang="en-US" altLang="zh-TW" sz="5400" b="1" dirty="0">
               <a:latin typeface="Microsoft JhengHei" panose="020B0604030504040204" pitchFamily="34" charset="-120"/>
@@ -3571,75 +3512,58 @@
                 <a:latin typeface="Microsoft JhengHei" panose="020B0604030504040204" pitchFamily="34" charset="-120"/>
                 <a:ea typeface="Microsoft JhengHei" panose="020B0604030504040204" pitchFamily="34" charset="-120"/>
               </a:rPr>
-              <a:t>無論</a:t>
-            </a:r>
+              <a:t>住在主裡就有豐盛的憐憫</a:t>
+            </a:r>
+            <a:endParaRPr lang="en-US" altLang="zh-TW" sz="5400" b="1" dirty="0">
+              <a:latin typeface="Microsoft JhengHei" panose="020B0604030504040204" pitchFamily="34" charset="-120"/>
+              <a:ea typeface="Microsoft JhengHei" panose="020B0604030504040204" pitchFamily="34" charset="-120"/>
+            </a:endParaRPr>
+          </a:p>
+          <a:p>
+            <a:pPr algn="ctr">
+              <a:buNone/>
+            </a:pPr>
             <a:r>
               <a:rPr lang="zh-TW" altLang="en-US" sz="5400" b="1" dirty="0">
                 <a:latin typeface="Microsoft JhengHei" panose="020B0604030504040204" pitchFamily="34" charset="-120"/>
                 <a:ea typeface="Microsoft JhengHei" panose="020B0604030504040204" pitchFamily="34" charset="-120"/>
               </a:rPr>
-              <a:t>作何事忠心便蒙</a:t>
-            </a:r>
-            <a:r>
-              <a:rPr lang="zh-TW" altLang="en-US" sz="5400" b="1" dirty="0">
-                <a:latin typeface="Microsoft JhengHei" panose="020B0604030504040204" pitchFamily="34" charset="-120"/>
-                <a:ea typeface="Microsoft JhengHei" panose="020B0604030504040204" pitchFamily="34" charset="-120"/>
-              </a:rPr>
-              <a:t>福</a:t>
-            </a:r>
-            <a:endParaRPr lang="en-US" altLang="zh-TW" sz="5400" b="1" dirty="0">
-              <a:latin typeface="Microsoft JhengHei" panose="020B0604030504040204" pitchFamily="34" charset="-120"/>
-              <a:ea typeface="Microsoft JhengHei" panose="020B0604030504040204" pitchFamily="34" charset="-120"/>
-            </a:endParaRPr>
-          </a:p>
-          <a:p>
-            <a:pPr algn="ctr">
-              <a:buNone/>
-            </a:pPr>
-            <a:r>
-              <a:rPr lang="zh-TW" altLang="en-US" sz="5400" b="1" dirty="0">
-                <a:latin typeface="Microsoft JhengHei" panose="020B0604030504040204" pitchFamily="34" charset="-120"/>
-                <a:ea typeface="Microsoft JhengHei" panose="020B0604030504040204" pitchFamily="34" charset="-120"/>
-              </a:rPr>
-              <a:t>住</a:t>
-            </a:r>
-            <a:r>
-              <a:rPr lang="zh-TW" altLang="en-US" sz="5400" b="1" dirty="0">
-                <a:latin typeface="Microsoft JhengHei" panose="020B0604030504040204" pitchFamily="34" charset="-120"/>
-                <a:ea typeface="Microsoft JhengHei" panose="020B0604030504040204" pitchFamily="34" charset="-120"/>
-              </a:rPr>
-              <a:t>在主裡就有豐盛的</a:t>
-            </a:r>
-            <a:r>
-              <a:rPr lang="zh-TW" altLang="en-US" sz="5400" b="1" dirty="0">
-                <a:latin typeface="Microsoft JhengHei" panose="020B0604030504040204" pitchFamily="34" charset="-120"/>
-                <a:ea typeface="Microsoft JhengHei" panose="020B0604030504040204" pitchFamily="34" charset="-120"/>
-              </a:rPr>
-              <a:t>憐憫</a:t>
-            </a:r>
-            <a:endParaRPr lang="en-US" altLang="zh-TW" sz="5400" b="1" dirty="0">
-              <a:latin typeface="Microsoft JhengHei" panose="020B0604030504040204" pitchFamily="34" charset="-120"/>
-              <a:ea typeface="Microsoft JhengHei" panose="020B0604030504040204" pitchFamily="34" charset="-120"/>
-            </a:endParaRPr>
-          </a:p>
-          <a:p>
-            <a:pPr algn="ctr">
-              <a:buNone/>
-            </a:pPr>
-            <a:r>
-              <a:rPr lang="zh-TW" altLang="en-US" sz="5400" b="1" dirty="0">
-                <a:latin typeface="Microsoft JhengHei" panose="020B0604030504040204" pitchFamily="34" charset="-120"/>
-                <a:ea typeface="Microsoft JhengHei" panose="020B0604030504040204" pitchFamily="34" charset="-120"/>
-              </a:rPr>
-              <a:t>天天</a:t>
-            </a:r>
-            <a:r>
-              <a:rPr lang="zh-TW" altLang="en-US" sz="5400" b="1" dirty="0">
-                <a:latin typeface="Microsoft JhengHei" panose="020B0604030504040204" pitchFamily="34" charset="-120"/>
-                <a:ea typeface="Microsoft JhengHei" panose="020B0604030504040204" pitchFamily="34" charset="-120"/>
-              </a:rPr>
-              <a:t>事奉主必蒙福</a:t>
-            </a:r>
+              <a:t>天天事奉主必蒙福</a:t>
+            </a:r>
+          </a:p>
+        </p:txBody>
+      </p:sp>
+      <p:sp>
+        <p:nvSpPr>
+          <p:cNvPr id="4" name="TextBox 3"/>
+          <p:cNvSpPr txBox="1"/>
+          <p:nvPr/>
+        </p:nvSpPr>
+        <p:spPr>
+          <a:xfrm>
+            <a:off x="609600" y="1600200"/>
+            <a:ext cx="864096" cy="1015663"/>
+          </a:xfrm>
+          <a:prstGeom prst="rect">
+            <a:avLst/>
+          </a:prstGeom>
+          <a:noFill/>
+        </p:spPr>
+        <p:txBody>
+          <a:bodyPr wrap="square" rtlCol="0">
+            <a:spAutoFit/>
+          </a:bodyPr>
+          <a:lstStyle/>
+          <a:p>
+            <a:r>
+              <a:rPr lang="en-US" sz="6000" b="1" dirty="0"/>
+              <a:t>2</a:t>
+            </a:r>
+            <a:r>
+              <a:rPr lang="en-US" sz="6000" b="1" dirty="0" smtClean="0"/>
+              <a:t>.</a:t>
+            </a:r>
+            <a:endParaRPr lang="vi-VN" sz="6000" b="1" dirty="0"/>
           </a:p>
         </p:txBody>
       </p:sp>
@@ -3725,111 +3649,55 @@
                 <a:latin typeface="Microsoft JhengHei" panose="020B0604030504040204" pitchFamily="34" charset="-120"/>
                 <a:ea typeface="Microsoft JhengHei" panose="020B0604030504040204" pitchFamily="34" charset="-120"/>
               </a:rPr>
-              <a:t>事奉耶穌蒙</a:t>
-            </a:r>
+              <a:t>事奉耶穌蒙福每日都蒙福</a:t>
+            </a:r>
+            <a:endParaRPr lang="en-US" altLang="zh-TW" sz="5400" b="1" dirty="0">
+              <a:latin typeface="Microsoft JhengHei" panose="020B0604030504040204" pitchFamily="34" charset="-120"/>
+              <a:ea typeface="Microsoft JhengHei" panose="020B0604030504040204" pitchFamily="34" charset="-120"/>
+            </a:endParaRPr>
+          </a:p>
+          <a:p>
+            <a:pPr algn="ctr">
+              <a:buNone/>
+            </a:pPr>
             <a:r>
               <a:rPr lang="zh-TW" altLang="en-US" sz="5400" b="1" dirty="0">
                 <a:latin typeface="Microsoft JhengHei" panose="020B0604030504040204" pitchFamily="34" charset="-120"/>
                 <a:ea typeface="Microsoft JhengHei" panose="020B0604030504040204" pitchFamily="34" charset="-120"/>
               </a:rPr>
-              <a:t>福每日</a:t>
-            </a:r>
+              <a:t>在世每一步都蒙福</a:t>
+            </a:r>
+            <a:endParaRPr lang="en-US" altLang="zh-TW" sz="5400" b="1" dirty="0">
+              <a:latin typeface="Microsoft JhengHei" panose="020B0604030504040204" pitchFamily="34" charset="-120"/>
+              <a:ea typeface="Microsoft JhengHei" panose="020B0604030504040204" pitchFamily="34" charset="-120"/>
+            </a:endParaRPr>
+          </a:p>
+          <a:p>
+            <a:pPr algn="ctr">
+              <a:buNone/>
+            </a:pPr>
             <a:r>
               <a:rPr lang="zh-TW" altLang="en-US" sz="5400" b="1" dirty="0">
                 <a:latin typeface="Microsoft JhengHei" panose="020B0604030504040204" pitchFamily="34" charset="-120"/>
                 <a:ea typeface="Microsoft JhengHei" panose="020B0604030504040204" pitchFamily="34" charset="-120"/>
               </a:rPr>
-              <a:t>都蒙</a:t>
-            </a:r>
+              <a:t>有時走天堂窄路或會有淒楚</a:t>
+            </a:r>
+            <a:endParaRPr lang="en-US" altLang="zh-TW" sz="5400" b="1" dirty="0">
+              <a:latin typeface="Microsoft JhengHei" panose="020B0604030504040204" pitchFamily="34" charset="-120"/>
+              <a:ea typeface="Microsoft JhengHei" panose="020B0604030504040204" pitchFamily="34" charset="-120"/>
+            </a:endParaRPr>
+          </a:p>
+          <a:p>
+            <a:pPr algn="ctr">
+              <a:buNone/>
+            </a:pPr>
             <a:r>
               <a:rPr lang="zh-TW" altLang="en-US" sz="5400" b="1" dirty="0">
                 <a:latin typeface="Microsoft JhengHei" panose="020B0604030504040204" pitchFamily="34" charset="-120"/>
                 <a:ea typeface="Microsoft JhengHei" panose="020B0604030504040204" pitchFamily="34" charset="-120"/>
               </a:rPr>
-              <a:t>福</a:t>
-            </a:r>
-            <a:endParaRPr lang="en-US" altLang="zh-TW" sz="5400" b="1" dirty="0">
-              <a:latin typeface="Microsoft JhengHei" panose="020B0604030504040204" pitchFamily="34" charset="-120"/>
-              <a:ea typeface="Microsoft JhengHei" panose="020B0604030504040204" pitchFamily="34" charset="-120"/>
-            </a:endParaRPr>
-          </a:p>
-          <a:p>
-            <a:pPr algn="ctr">
-              <a:buNone/>
-            </a:pPr>
-            <a:r>
-              <a:rPr lang="zh-TW" altLang="en-US" sz="5400" b="1" dirty="0">
-                <a:latin typeface="Microsoft JhengHei" panose="020B0604030504040204" pitchFamily="34" charset="-120"/>
-                <a:ea typeface="Microsoft JhengHei" panose="020B0604030504040204" pitchFamily="34" charset="-120"/>
-              </a:rPr>
-              <a:t>在世</a:t>
-            </a:r>
-            <a:r>
-              <a:rPr lang="zh-TW" altLang="en-US" sz="5400" b="1" dirty="0">
-                <a:latin typeface="Microsoft JhengHei" panose="020B0604030504040204" pitchFamily="34" charset="-120"/>
-                <a:ea typeface="Microsoft JhengHei" panose="020B0604030504040204" pitchFamily="34" charset="-120"/>
-              </a:rPr>
-              <a:t>每一步都蒙</a:t>
-            </a:r>
-            <a:r>
-              <a:rPr lang="zh-TW" altLang="en-US" sz="5400" b="1" dirty="0">
-                <a:latin typeface="Microsoft JhengHei" panose="020B0604030504040204" pitchFamily="34" charset="-120"/>
-                <a:ea typeface="Microsoft JhengHei" panose="020B0604030504040204" pitchFamily="34" charset="-120"/>
-              </a:rPr>
-              <a:t>福</a:t>
-            </a:r>
-            <a:endParaRPr lang="en-US" altLang="zh-TW" sz="5400" b="1" dirty="0">
-              <a:latin typeface="Microsoft JhengHei" panose="020B0604030504040204" pitchFamily="34" charset="-120"/>
-              <a:ea typeface="Microsoft JhengHei" panose="020B0604030504040204" pitchFamily="34" charset="-120"/>
-            </a:endParaRPr>
-          </a:p>
-          <a:p>
-            <a:pPr algn="ctr">
-              <a:buNone/>
-            </a:pPr>
-            <a:r>
-              <a:rPr lang="zh-TW" altLang="en-US" sz="5400" b="1" dirty="0">
-                <a:latin typeface="Microsoft JhengHei" panose="020B0604030504040204" pitchFamily="34" charset="-120"/>
-                <a:ea typeface="Microsoft JhengHei" panose="020B0604030504040204" pitchFamily="34" charset="-120"/>
-              </a:rPr>
-              <a:t>有時</a:t>
-            </a:r>
-            <a:r>
-              <a:rPr lang="zh-TW" altLang="en-US" sz="5400" b="1" dirty="0">
-                <a:latin typeface="Microsoft JhengHei" panose="020B0604030504040204" pitchFamily="34" charset="-120"/>
-                <a:ea typeface="Microsoft JhengHei" panose="020B0604030504040204" pitchFamily="34" charset="-120"/>
-              </a:rPr>
-              <a:t>走天堂窄路或會有淒</a:t>
-            </a:r>
-            <a:r>
-              <a:rPr lang="zh-TW" altLang="en-US" sz="5400" b="1" dirty="0">
-                <a:latin typeface="Microsoft JhengHei" panose="020B0604030504040204" pitchFamily="34" charset="-120"/>
-                <a:ea typeface="Microsoft JhengHei" panose="020B0604030504040204" pitchFamily="34" charset="-120"/>
-              </a:rPr>
-              <a:t>楚</a:t>
-            </a:r>
-            <a:endParaRPr lang="en-US" altLang="zh-TW" sz="5400" b="1" dirty="0">
-              <a:latin typeface="Microsoft JhengHei" panose="020B0604030504040204" pitchFamily="34" charset="-120"/>
-              <a:ea typeface="Microsoft JhengHei" panose="020B0604030504040204" pitchFamily="34" charset="-120"/>
-            </a:endParaRPr>
-          </a:p>
-          <a:p>
-            <a:pPr algn="ctr">
-              <a:buNone/>
-            </a:pPr>
-            <a:r>
-              <a:rPr lang="zh-TW" altLang="en-US" sz="5400" b="1" dirty="0">
-                <a:latin typeface="Microsoft JhengHei" panose="020B0604030504040204" pitchFamily="34" charset="-120"/>
-                <a:ea typeface="Microsoft JhengHei" panose="020B0604030504040204" pitchFamily="34" charset="-120"/>
-              </a:rPr>
-              <a:t>你</a:t>
-            </a:r>
-            <a:r>
-              <a:rPr lang="zh-TW" altLang="en-US" sz="5400" b="1" dirty="0">
-                <a:latin typeface="Microsoft JhengHei" panose="020B0604030504040204" pitchFamily="34" charset="-120"/>
-                <a:ea typeface="Microsoft JhengHei" panose="020B0604030504040204" pitchFamily="34" charset="-120"/>
-              </a:rPr>
-              <a:t>在主裡一路必蒙福</a:t>
+              <a:t>你在主裡一路必蒙福</a:t>
             </a:r>
           </a:p>
         </p:txBody>
